--- a/ppt 16-9/0674.我的心尊主为大.pptx
+++ b/ppt 16-9/0674.我的心尊主为大.pptx
@@ -5,7 +5,7 @@
     <p:sldMasterId id="2147483648" r:id="rId1"/>
   </p:sldMasterIdLst>
   <p:sldIdLst>
-    <p:sldId id="2482" r:id="rId2"/>
+    <p:sldId id="2483" r:id="rId2"/>
   </p:sldIdLst>
   <p:sldSz cx="12192000" cy="6858000"/>
   <p:notesSz cx="6858000" cy="9144000"/>
@@ -129,7 +129,7 @@
           <p:cNvPr id="2" name="标题 1">
             <a:extLst>
               <a:ext uri="{FF2B5EF4-FFF2-40B4-BE49-F238E27FC236}">
-                <a16:creationId xmlns:a16="http://schemas.microsoft.com/office/drawing/2014/main" id="{65707A1F-9E0B-C6F9-35F6-2D9E55D2C4CA}"/>
+                <a16:creationId xmlns:a16="http://schemas.microsoft.com/office/drawing/2014/main" id="{EEB9AE53-B3CE-EC1D-B9C9-04914E524832}"/>
               </a:ext>
             </a:extLst>
           </p:cNvPr>
@@ -166,7 +166,7 @@
           <p:cNvPr id="3" name="副标题 2">
             <a:extLst>
               <a:ext uri="{FF2B5EF4-FFF2-40B4-BE49-F238E27FC236}">
-                <a16:creationId xmlns:a16="http://schemas.microsoft.com/office/drawing/2014/main" id="{F67AB088-4AA0-0FD9-1462-2729728B51E7}"/>
+                <a16:creationId xmlns:a16="http://schemas.microsoft.com/office/drawing/2014/main" id="{2E39EB67-9E4B-F619-B488-686DCB157EE6}"/>
               </a:ext>
             </a:extLst>
           </p:cNvPr>
@@ -236,7 +236,7 @@
           <p:cNvPr id="4" name="日期占位符 3">
             <a:extLst>
               <a:ext uri="{FF2B5EF4-FFF2-40B4-BE49-F238E27FC236}">
-                <a16:creationId xmlns:a16="http://schemas.microsoft.com/office/drawing/2014/main" id="{EB72F568-05D4-F6E9-CCD6-643B70518D4F}"/>
+                <a16:creationId xmlns:a16="http://schemas.microsoft.com/office/drawing/2014/main" id="{13890390-40DE-D48E-3616-E511638C192F}"/>
               </a:ext>
             </a:extLst>
           </p:cNvPr>
@@ -252,7 +252,7 @@
           <a:bodyPr/>
           <a:lstStyle/>
           <a:p>
-            <a:fld id="{DC4BC7F8-1DAB-49B9-A240-90EAB50DD1CF}" type="datetimeFigureOut">
+            <a:fld id="{D7D02B63-AED3-4E6E-956C-F3F6766858DF}" type="datetimeFigureOut">
               <a:rPr lang="zh-CN" altLang="en-US" smtClean="0"/>
               <a:t>2024/3/10</a:t>
             </a:fld>
@@ -265,7 +265,7 @@
           <p:cNvPr id="5" name="页脚占位符 4">
             <a:extLst>
               <a:ext uri="{FF2B5EF4-FFF2-40B4-BE49-F238E27FC236}">
-                <a16:creationId xmlns:a16="http://schemas.microsoft.com/office/drawing/2014/main" id="{49AC716A-81B7-1C32-37EE-D2CB371C3F54}"/>
+                <a16:creationId xmlns:a16="http://schemas.microsoft.com/office/drawing/2014/main" id="{5827F3B5-627A-F174-77D0-AF953FE65CFA}"/>
               </a:ext>
             </a:extLst>
           </p:cNvPr>
@@ -290,7 +290,7 @@
           <p:cNvPr id="6" name="灯片编号占位符 5">
             <a:extLst>
               <a:ext uri="{FF2B5EF4-FFF2-40B4-BE49-F238E27FC236}">
-                <a16:creationId xmlns:a16="http://schemas.microsoft.com/office/drawing/2014/main" id="{CD9F861C-45F9-F3ED-20F7-53DA0D75D5A6}"/>
+                <a16:creationId xmlns:a16="http://schemas.microsoft.com/office/drawing/2014/main" id="{D7836A6E-FB0D-892B-93FC-F427A5A7B5B8}"/>
               </a:ext>
             </a:extLst>
           </p:cNvPr>
@@ -306,7 +306,7 @@
           <a:bodyPr/>
           <a:lstStyle/>
           <a:p>
-            <a:fld id="{6F565FDC-00F3-4B9A-895A-9EE610D7D331}" type="slidenum">
+            <a:fld id="{A2CD14A0-9BD5-4E57-8089-6E6E7AFB938F}" type="slidenum">
               <a:rPr lang="zh-CN" altLang="en-US" smtClean="0"/>
               <a:t>‹#›</a:t>
             </a:fld>
@@ -317,7 +317,7 @@
     </p:spTree>
     <p:extLst>
       <p:ext uri="{BB962C8B-B14F-4D97-AF65-F5344CB8AC3E}">
-        <p14:creationId xmlns:p14="http://schemas.microsoft.com/office/powerpoint/2010/main" val="1573058369"/>
+        <p14:creationId xmlns:p14="http://schemas.microsoft.com/office/powerpoint/2010/main" val="4138186270"/>
       </p:ext>
     </p:extLst>
   </p:cSld>
@@ -349,7 +349,7 @@
           <p:cNvPr id="2" name="标题 1">
             <a:extLst>
               <a:ext uri="{FF2B5EF4-FFF2-40B4-BE49-F238E27FC236}">
-                <a16:creationId xmlns:a16="http://schemas.microsoft.com/office/drawing/2014/main" id="{BF456804-5227-4EC5-8884-BF997CBDC7E8}"/>
+                <a16:creationId xmlns:a16="http://schemas.microsoft.com/office/drawing/2014/main" id="{E9925F01-7B17-A98B-19DB-92AFFF1C07D2}"/>
               </a:ext>
             </a:extLst>
           </p:cNvPr>
@@ -377,7 +377,7 @@
           <p:cNvPr id="3" name="竖排文字占位符 2">
             <a:extLst>
               <a:ext uri="{FF2B5EF4-FFF2-40B4-BE49-F238E27FC236}">
-                <a16:creationId xmlns:a16="http://schemas.microsoft.com/office/drawing/2014/main" id="{ABD316FF-2402-1637-D41E-03AF639F7428}"/>
+                <a16:creationId xmlns:a16="http://schemas.microsoft.com/office/drawing/2014/main" id="{C2BAD68B-810D-0D0F-9B72-954EE87C7C1F}"/>
               </a:ext>
             </a:extLst>
           </p:cNvPr>
@@ -434,7 +434,7 @@
           <p:cNvPr id="4" name="日期占位符 3">
             <a:extLst>
               <a:ext uri="{FF2B5EF4-FFF2-40B4-BE49-F238E27FC236}">
-                <a16:creationId xmlns:a16="http://schemas.microsoft.com/office/drawing/2014/main" id="{88834B69-D511-D50E-0DA0-622955E2C84E}"/>
+                <a16:creationId xmlns:a16="http://schemas.microsoft.com/office/drawing/2014/main" id="{C4616268-AD98-4AE2-DE8F-96F82B019598}"/>
               </a:ext>
             </a:extLst>
           </p:cNvPr>
@@ -450,7 +450,7 @@
           <a:bodyPr/>
           <a:lstStyle/>
           <a:p>
-            <a:fld id="{DC4BC7F8-1DAB-49B9-A240-90EAB50DD1CF}" type="datetimeFigureOut">
+            <a:fld id="{D7D02B63-AED3-4E6E-956C-F3F6766858DF}" type="datetimeFigureOut">
               <a:rPr lang="zh-CN" altLang="en-US" smtClean="0"/>
               <a:t>2024/3/10</a:t>
             </a:fld>
@@ -463,7 +463,7 @@
           <p:cNvPr id="5" name="页脚占位符 4">
             <a:extLst>
               <a:ext uri="{FF2B5EF4-FFF2-40B4-BE49-F238E27FC236}">
-                <a16:creationId xmlns:a16="http://schemas.microsoft.com/office/drawing/2014/main" id="{17F500F8-1BAF-6C1A-E51B-42E042ECA068}"/>
+                <a16:creationId xmlns:a16="http://schemas.microsoft.com/office/drawing/2014/main" id="{438C8D23-3115-D6B7-47C7-CDA2EBA3F412}"/>
               </a:ext>
             </a:extLst>
           </p:cNvPr>
@@ -488,7 +488,7 @@
           <p:cNvPr id="6" name="灯片编号占位符 5">
             <a:extLst>
               <a:ext uri="{FF2B5EF4-FFF2-40B4-BE49-F238E27FC236}">
-                <a16:creationId xmlns:a16="http://schemas.microsoft.com/office/drawing/2014/main" id="{07802A1A-AB0D-F5B7-3192-B12FAF37B699}"/>
+                <a16:creationId xmlns:a16="http://schemas.microsoft.com/office/drawing/2014/main" id="{36435CC0-3945-8D11-A4C2-AE0C2CD52059}"/>
               </a:ext>
             </a:extLst>
           </p:cNvPr>
@@ -504,7 +504,7 @@
           <a:bodyPr/>
           <a:lstStyle/>
           <a:p>
-            <a:fld id="{6F565FDC-00F3-4B9A-895A-9EE610D7D331}" type="slidenum">
+            <a:fld id="{A2CD14A0-9BD5-4E57-8089-6E6E7AFB938F}" type="slidenum">
               <a:rPr lang="zh-CN" altLang="en-US" smtClean="0"/>
               <a:t>‹#›</a:t>
             </a:fld>
@@ -515,7 +515,7 @@
     </p:spTree>
     <p:extLst>
       <p:ext uri="{BB962C8B-B14F-4D97-AF65-F5344CB8AC3E}">
-        <p14:creationId xmlns:p14="http://schemas.microsoft.com/office/powerpoint/2010/main" val="3140160796"/>
+        <p14:creationId xmlns:p14="http://schemas.microsoft.com/office/powerpoint/2010/main" val="2618341689"/>
       </p:ext>
     </p:extLst>
   </p:cSld>
@@ -547,7 +547,7 @@
           <p:cNvPr id="2" name="竖排标题 1">
             <a:extLst>
               <a:ext uri="{FF2B5EF4-FFF2-40B4-BE49-F238E27FC236}">
-                <a16:creationId xmlns:a16="http://schemas.microsoft.com/office/drawing/2014/main" id="{B668F775-4A83-8489-DAE0-07C0000B3C94}"/>
+                <a16:creationId xmlns:a16="http://schemas.microsoft.com/office/drawing/2014/main" id="{FFDCCF39-A0D7-B195-16BE-0203F676BC26}"/>
               </a:ext>
             </a:extLst>
           </p:cNvPr>
@@ -580,7 +580,7 @@
           <p:cNvPr id="3" name="竖排文字占位符 2">
             <a:extLst>
               <a:ext uri="{FF2B5EF4-FFF2-40B4-BE49-F238E27FC236}">
-                <a16:creationId xmlns:a16="http://schemas.microsoft.com/office/drawing/2014/main" id="{13304331-F366-3387-F8D3-A788E55F13F7}"/>
+                <a16:creationId xmlns:a16="http://schemas.microsoft.com/office/drawing/2014/main" id="{06151F64-B4FE-90D4-E5D3-B8B284741276}"/>
               </a:ext>
             </a:extLst>
           </p:cNvPr>
@@ -642,7 +642,7 @@
           <p:cNvPr id="4" name="日期占位符 3">
             <a:extLst>
               <a:ext uri="{FF2B5EF4-FFF2-40B4-BE49-F238E27FC236}">
-                <a16:creationId xmlns:a16="http://schemas.microsoft.com/office/drawing/2014/main" id="{24779F30-5978-10C5-A819-CED4FA959E89}"/>
+                <a16:creationId xmlns:a16="http://schemas.microsoft.com/office/drawing/2014/main" id="{A69B326A-FDCE-B6F2-B583-1F3ED2289B50}"/>
               </a:ext>
             </a:extLst>
           </p:cNvPr>
@@ -658,7 +658,7 @@
           <a:bodyPr/>
           <a:lstStyle/>
           <a:p>
-            <a:fld id="{DC4BC7F8-1DAB-49B9-A240-90EAB50DD1CF}" type="datetimeFigureOut">
+            <a:fld id="{D7D02B63-AED3-4E6E-956C-F3F6766858DF}" type="datetimeFigureOut">
               <a:rPr lang="zh-CN" altLang="en-US" smtClean="0"/>
               <a:t>2024/3/10</a:t>
             </a:fld>
@@ -671,7 +671,7 @@
           <p:cNvPr id="5" name="页脚占位符 4">
             <a:extLst>
               <a:ext uri="{FF2B5EF4-FFF2-40B4-BE49-F238E27FC236}">
-                <a16:creationId xmlns:a16="http://schemas.microsoft.com/office/drawing/2014/main" id="{A1253808-0369-E171-5C2F-D2F570547E09}"/>
+                <a16:creationId xmlns:a16="http://schemas.microsoft.com/office/drawing/2014/main" id="{083CD39C-3C49-0DAE-7D32-9C0194ACF26B}"/>
               </a:ext>
             </a:extLst>
           </p:cNvPr>
@@ -696,7 +696,7 @@
           <p:cNvPr id="6" name="灯片编号占位符 5">
             <a:extLst>
               <a:ext uri="{FF2B5EF4-FFF2-40B4-BE49-F238E27FC236}">
-                <a16:creationId xmlns:a16="http://schemas.microsoft.com/office/drawing/2014/main" id="{F4AEB275-31CC-2A8D-641A-C52DC2DE6A2F}"/>
+                <a16:creationId xmlns:a16="http://schemas.microsoft.com/office/drawing/2014/main" id="{44A12337-6538-34AF-5C07-CED3A55DC803}"/>
               </a:ext>
             </a:extLst>
           </p:cNvPr>
@@ -712,7 +712,7 @@
           <a:bodyPr/>
           <a:lstStyle/>
           <a:p>
-            <a:fld id="{6F565FDC-00F3-4B9A-895A-9EE610D7D331}" type="slidenum">
+            <a:fld id="{A2CD14A0-9BD5-4E57-8089-6E6E7AFB938F}" type="slidenum">
               <a:rPr lang="zh-CN" altLang="en-US" smtClean="0"/>
               <a:t>‹#›</a:t>
             </a:fld>
@@ -723,7 +723,7 @@
     </p:spTree>
     <p:extLst>
       <p:ext uri="{BB962C8B-B14F-4D97-AF65-F5344CB8AC3E}">
-        <p14:creationId xmlns:p14="http://schemas.microsoft.com/office/powerpoint/2010/main" val="3311884809"/>
+        <p14:creationId xmlns:p14="http://schemas.microsoft.com/office/powerpoint/2010/main" val="806846684"/>
       </p:ext>
     </p:extLst>
   </p:cSld>
@@ -755,7 +755,7 @@
           <p:cNvPr id="2" name="标题 1">
             <a:extLst>
               <a:ext uri="{FF2B5EF4-FFF2-40B4-BE49-F238E27FC236}">
-                <a16:creationId xmlns:a16="http://schemas.microsoft.com/office/drawing/2014/main" id="{BCF84E29-2F1F-8C87-624C-7E71ECEBB85B}"/>
+                <a16:creationId xmlns:a16="http://schemas.microsoft.com/office/drawing/2014/main" id="{BADAC789-0E11-2990-774E-3A9CF62EA1A2}"/>
               </a:ext>
             </a:extLst>
           </p:cNvPr>
@@ -783,7 +783,7 @@
           <p:cNvPr id="3" name="内容占位符 2">
             <a:extLst>
               <a:ext uri="{FF2B5EF4-FFF2-40B4-BE49-F238E27FC236}">
-                <a16:creationId xmlns:a16="http://schemas.microsoft.com/office/drawing/2014/main" id="{280B3ECD-A9AA-6121-1AED-FA26AC817B8B}"/>
+                <a16:creationId xmlns:a16="http://schemas.microsoft.com/office/drawing/2014/main" id="{F4179836-030B-7BA4-A0AE-0FF0A221E918}"/>
               </a:ext>
             </a:extLst>
           </p:cNvPr>
@@ -840,7 +840,7 @@
           <p:cNvPr id="4" name="日期占位符 3">
             <a:extLst>
               <a:ext uri="{FF2B5EF4-FFF2-40B4-BE49-F238E27FC236}">
-                <a16:creationId xmlns:a16="http://schemas.microsoft.com/office/drawing/2014/main" id="{5F8976B0-BD4A-4ACA-7491-5CE5E6153914}"/>
+                <a16:creationId xmlns:a16="http://schemas.microsoft.com/office/drawing/2014/main" id="{913DE6FD-0C46-3ED4-95EF-AABCE7BE93F3}"/>
               </a:ext>
             </a:extLst>
           </p:cNvPr>
@@ -856,7 +856,7 @@
           <a:bodyPr/>
           <a:lstStyle/>
           <a:p>
-            <a:fld id="{DC4BC7F8-1DAB-49B9-A240-90EAB50DD1CF}" type="datetimeFigureOut">
+            <a:fld id="{D7D02B63-AED3-4E6E-956C-F3F6766858DF}" type="datetimeFigureOut">
               <a:rPr lang="zh-CN" altLang="en-US" smtClean="0"/>
               <a:t>2024/3/10</a:t>
             </a:fld>
@@ -869,7 +869,7 @@
           <p:cNvPr id="5" name="页脚占位符 4">
             <a:extLst>
               <a:ext uri="{FF2B5EF4-FFF2-40B4-BE49-F238E27FC236}">
-                <a16:creationId xmlns:a16="http://schemas.microsoft.com/office/drawing/2014/main" id="{C2D4A6B6-B5CA-0DBE-E733-52BD0E3BF7B6}"/>
+                <a16:creationId xmlns:a16="http://schemas.microsoft.com/office/drawing/2014/main" id="{F0660E48-7F1B-F145-F691-7EDF39808857}"/>
               </a:ext>
             </a:extLst>
           </p:cNvPr>
@@ -894,7 +894,7 @@
           <p:cNvPr id="6" name="灯片编号占位符 5">
             <a:extLst>
               <a:ext uri="{FF2B5EF4-FFF2-40B4-BE49-F238E27FC236}">
-                <a16:creationId xmlns:a16="http://schemas.microsoft.com/office/drawing/2014/main" id="{C773AC70-5DB0-1F8D-D65A-B642D339DE0B}"/>
+                <a16:creationId xmlns:a16="http://schemas.microsoft.com/office/drawing/2014/main" id="{3B9A7EF6-9B01-B092-27D4-8FD60419A186}"/>
               </a:ext>
             </a:extLst>
           </p:cNvPr>
@@ -910,7 +910,7 @@
           <a:bodyPr/>
           <a:lstStyle/>
           <a:p>
-            <a:fld id="{6F565FDC-00F3-4B9A-895A-9EE610D7D331}" type="slidenum">
+            <a:fld id="{A2CD14A0-9BD5-4E57-8089-6E6E7AFB938F}" type="slidenum">
               <a:rPr lang="zh-CN" altLang="en-US" smtClean="0"/>
               <a:t>‹#›</a:t>
             </a:fld>
@@ -921,7 +921,7 @@
     </p:spTree>
     <p:extLst>
       <p:ext uri="{BB962C8B-B14F-4D97-AF65-F5344CB8AC3E}">
-        <p14:creationId xmlns:p14="http://schemas.microsoft.com/office/powerpoint/2010/main" val="2256074745"/>
+        <p14:creationId xmlns:p14="http://schemas.microsoft.com/office/powerpoint/2010/main" val="674176269"/>
       </p:ext>
     </p:extLst>
   </p:cSld>
@@ -953,7 +953,7 @@
           <p:cNvPr id="2" name="标题 1">
             <a:extLst>
               <a:ext uri="{FF2B5EF4-FFF2-40B4-BE49-F238E27FC236}">
-                <a16:creationId xmlns:a16="http://schemas.microsoft.com/office/drawing/2014/main" id="{93511C15-0579-0DCE-87C4-4D6CC44F0DB2}"/>
+                <a16:creationId xmlns:a16="http://schemas.microsoft.com/office/drawing/2014/main" id="{C08DC46F-D63D-3DE2-B629-40A215418564}"/>
               </a:ext>
             </a:extLst>
           </p:cNvPr>
@@ -990,7 +990,7 @@
           <p:cNvPr id="3" name="文本占位符 2">
             <a:extLst>
               <a:ext uri="{FF2B5EF4-FFF2-40B4-BE49-F238E27FC236}">
-                <a16:creationId xmlns:a16="http://schemas.microsoft.com/office/drawing/2014/main" id="{0B566086-6525-528A-9D87-53CE74BFFE81}"/>
+                <a16:creationId xmlns:a16="http://schemas.microsoft.com/office/drawing/2014/main" id="{E481E4FB-69D9-1DD1-2C9B-39D8AB02C15B}"/>
               </a:ext>
             </a:extLst>
           </p:cNvPr>
@@ -1115,7 +1115,7 @@
           <p:cNvPr id="4" name="日期占位符 3">
             <a:extLst>
               <a:ext uri="{FF2B5EF4-FFF2-40B4-BE49-F238E27FC236}">
-                <a16:creationId xmlns:a16="http://schemas.microsoft.com/office/drawing/2014/main" id="{626FEF76-D39F-41F3-6FC2-113F2F57A397}"/>
+                <a16:creationId xmlns:a16="http://schemas.microsoft.com/office/drawing/2014/main" id="{DC33F22B-1E21-BF06-6467-6262AB668D23}"/>
               </a:ext>
             </a:extLst>
           </p:cNvPr>
@@ -1131,7 +1131,7 @@
           <a:bodyPr/>
           <a:lstStyle/>
           <a:p>
-            <a:fld id="{DC4BC7F8-1DAB-49B9-A240-90EAB50DD1CF}" type="datetimeFigureOut">
+            <a:fld id="{D7D02B63-AED3-4E6E-956C-F3F6766858DF}" type="datetimeFigureOut">
               <a:rPr lang="zh-CN" altLang="en-US" smtClean="0"/>
               <a:t>2024/3/10</a:t>
             </a:fld>
@@ -1144,7 +1144,7 @@
           <p:cNvPr id="5" name="页脚占位符 4">
             <a:extLst>
               <a:ext uri="{FF2B5EF4-FFF2-40B4-BE49-F238E27FC236}">
-                <a16:creationId xmlns:a16="http://schemas.microsoft.com/office/drawing/2014/main" id="{BB961E29-A704-8E3D-5F60-C8F2BDE4051D}"/>
+                <a16:creationId xmlns:a16="http://schemas.microsoft.com/office/drawing/2014/main" id="{507ED6CF-E920-5459-FC96-8FB962441A77}"/>
               </a:ext>
             </a:extLst>
           </p:cNvPr>
@@ -1169,7 +1169,7 @@
           <p:cNvPr id="6" name="灯片编号占位符 5">
             <a:extLst>
               <a:ext uri="{FF2B5EF4-FFF2-40B4-BE49-F238E27FC236}">
-                <a16:creationId xmlns:a16="http://schemas.microsoft.com/office/drawing/2014/main" id="{C084029C-5BFB-6C53-4326-641BA061D0E1}"/>
+                <a16:creationId xmlns:a16="http://schemas.microsoft.com/office/drawing/2014/main" id="{6AC4F7F1-A67F-7637-7579-47319DA9B25A}"/>
               </a:ext>
             </a:extLst>
           </p:cNvPr>
@@ -1185,7 +1185,7 @@
           <a:bodyPr/>
           <a:lstStyle/>
           <a:p>
-            <a:fld id="{6F565FDC-00F3-4B9A-895A-9EE610D7D331}" type="slidenum">
+            <a:fld id="{A2CD14A0-9BD5-4E57-8089-6E6E7AFB938F}" type="slidenum">
               <a:rPr lang="zh-CN" altLang="en-US" smtClean="0"/>
               <a:t>‹#›</a:t>
             </a:fld>
@@ -1196,7 +1196,7 @@
     </p:spTree>
     <p:extLst>
       <p:ext uri="{BB962C8B-B14F-4D97-AF65-F5344CB8AC3E}">
-        <p14:creationId xmlns:p14="http://schemas.microsoft.com/office/powerpoint/2010/main" val="1396121771"/>
+        <p14:creationId xmlns:p14="http://schemas.microsoft.com/office/powerpoint/2010/main" val="2792821865"/>
       </p:ext>
     </p:extLst>
   </p:cSld>
@@ -1228,7 +1228,7 @@
           <p:cNvPr id="2" name="标题 1">
             <a:extLst>
               <a:ext uri="{FF2B5EF4-FFF2-40B4-BE49-F238E27FC236}">
-                <a16:creationId xmlns:a16="http://schemas.microsoft.com/office/drawing/2014/main" id="{D3E59EFC-83BC-B447-C66D-502AF1D51837}"/>
+                <a16:creationId xmlns:a16="http://schemas.microsoft.com/office/drawing/2014/main" id="{7ACA5B67-B66E-1F2A-69F6-B54AEA9B8F15}"/>
               </a:ext>
             </a:extLst>
           </p:cNvPr>
@@ -1256,7 +1256,7 @@
           <p:cNvPr id="3" name="内容占位符 2">
             <a:extLst>
               <a:ext uri="{FF2B5EF4-FFF2-40B4-BE49-F238E27FC236}">
-                <a16:creationId xmlns:a16="http://schemas.microsoft.com/office/drawing/2014/main" id="{F528190F-2467-CAFB-438B-92C2D963ECE0}"/>
+                <a16:creationId xmlns:a16="http://schemas.microsoft.com/office/drawing/2014/main" id="{8137E9E8-9F4D-3FAF-75C5-0C9426BC5416}"/>
               </a:ext>
             </a:extLst>
           </p:cNvPr>
@@ -1318,7 +1318,7 @@
           <p:cNvPr id="4" name="内容占位符 3">
             <a:extLst>
               <a:ext uri="{FF2B5EF4-FFF2-40B4-BE49-F238E27FC236}">
-                <a16:creationId xmlns:a16="http://schemas.microsoft.com/office/drawing/2014/main" id="{0484945A-894F-EF5F-9B92-230C5E06EAE2}"/>
+                <a16:creationId xmlns:a16="http://schemas.microsoft.com/office/drawing/2014/main" id="{8F4DD7BE-A700-EB0A-6B3F-1DEC47600D96}"/>
               </a:ext>
             </a:extLst>
           </p:cNvPr>
@@ -1380,7 +1380,7 @@
           <p:cNvPr id="5" name="日期占位符 4">
             <a:extLst>
               <a:ext uri="{FF2B5EF4-FFF2-40B4-BE49-F238E27FC236}">
-                <a16:creationId xmlns:a16="http://schemas.microsoft.com/office/drawing/2014/main" id="{CD05A975-816B-8835-F61A-A44AB0CDAEF5}"/>
+                <a16:creationId xmlns:a16="http://schemas.microsoft.com/office/drawing/2014/main" id="{F608446B-17C7-CE4D-C996-C36324A6C496}"/>
               </a:ext>
             </a:extLst>
           </p:cNvPr>
@@ -1396,7 +1396,7 @@
           <a:bodyPr/>
           <a:lstStyle/>
           <a:p>
-            <a:fld id="{DC4BC7F8-1DAB-49B9-A240-90EAB50DD1CF}" type="datetimeFigureOut">
+            <a:fld id="{D7D02B63-AED3-4E6E-956C-F3F6766858DF}" type="datetimeFigureOut">
               <a:rPr lang="zh-CN" altLang="en-US" smtClean="0"/>
               <a:t>2024/3/10</a:t>
             </a:fld>
@@ -1409,7 +1409,7 @@
           <p:cNvPr id="6" name="页脚占位符 5">
             <a:extLst>
               <a:ext uri="{FF2B5EF4-FFF2-40B4-BE49-F238E27FC236}">
-                <a16:creationId xmlns:a16="http://schemas.microsoft.com/office/drawing/2014/main" id="{F47F0ECE-F753-5DEC-4841-D375AA2B8281}"/>
+                <a16:creationId xmlns:a16="http://schemas.microsoft.com/office/drawing/2014/main" id="{0A0C4079-1403-544A-9113-B2B491850648}"/>
               </a:ext>
             </a:extLst>
           </p:cNvPr>
@@ -1434,7 +1434,7 @@
           <p:cNvPr id="7" name="灯片编号占位符 6">
             <a:extLst>
               <a:ext uri="{FF2B5EF4-FFF2-40B4-BE49-F238E27FC236}">
-                <a16:creationId xmlns:a16="http://schemas.microsoft.com/office/drawing/2014/main" id="{12668EE6-7C8B-B5FA-C35A-42A2D6338F34}"/>
+                <a16:creationId xmlns:a16="http://schemas.microsoft.com/office/drawing/2014/main" id="{A2EEAD25-7B33-69B0-D246-F4966D285F96}"/>
               </a:ext>
             </a:extLst>
           </p:cNvPr>
@@ -1450,7 +1450,7 @@
           <a:bodyPr/>
           <a:lstStyle/>
           <a:p>
-            <a:fld id="{6F565FDC-00F3-4B9A-895A-9EE610D7D331}" type="slidenum">
+            <a:fld id="{A2CD14A0-9BD5-4E57-8089-6E6E7AFB938F}" type="slidenum">
               <a:rPr lang="zh-CN" altLang="en-US" smtClean="0"/>
               <a:t>‹#›</a:t>
             </a:fld>
@@ -1461,7 +1461,7 @@
     </p:spTree>
     <p:extLst>
       <p:ext uri="{BB962C8B-B14F-4D97-AF65-F5344CB8AC3E}">
-        <p14:creationId xmlns:p14="http://schemas.microsoft.com/office/powerpoint/2010/main" val="568769030"/>
+        <p14:creationId xmlns:p14="http://schemas.microsoft.com/office/powerpoint/2010/main" val="2908127737"/>
       </p:ext>
     </p:extLst>
   </p:cSld>
@@ -1493,7 +1493,7 @@
           <p:cNvPr id="2" name="标题 1">
             <a:extLst>
               <a:ext uri="{FF2B5EF4-FFF2-40B4-BE49-F238E27FC236}">
-                <a16:creationId xmlns:a16="http://schemas.microsoft.com/office/drawing/2014/main" id="{C2235485-DD44-E36B-AF74-16F75A046006}"/>
+                <a16:creationId xmlns:a16="http://schemas.microsoft.com/office/drawing/2014/main" id="{94A9ABC5-0064-83F6-B93A-04DEF11E643B}"/>
               </a:ext>
             </a:extLst>
           </p:cNvPr>
@@ -1526,7 +1526,7 @@
           <p:cNvPr id="3" name="文本占位符 2">
             <a:extLst>
               <a:ext uri="{FF2B5EF4-FFF2-40B4-BE49-F238E27FC236}">
-                <a16:creationId xmlns:a16="http://schemas.microsoft.com/office/drawing/2014/main" id="{23147D82-4422-4CBC-11CE-2CDBF315DA19}"/>
+                <a16:creationId xmlns:a16="http://schemas.microsoft.com/office/drawing/2014/main" id="{3BA679C0-2768-2E8F-E2EB-69FADA7339C5}"/>
               </a:ext>
             </a:extLst>
           </p:cNvPr>
@@ -1597,7 +1597,7 @@
           <p:cNvPr id="4" name="内容占位符 3">
             <a:extLst>
               <a:ext uri="{FF2B5EF4-FFF2-40B4-BE49-F238E27FC236}">
-                <a16:creationId xmlns:a16="http://schemas.microsoft.com/office/drawing/2014/main" id="{C5FBE3A5-A36D-4776-D762-72A581249535}"/>
+                <a16:creationId xmlns:a16="http://schemas.microsoft.com/office/drawing/2014/main" id="{3472963D-CEC5-E0C4-6F9B-F312ADB883DB}"/>
               </a:ext>
             </a:extLst>
           </p:cNvPr>
@@ -1659,7 +1659,7 @@
           <p:cNvPr id="5" name="文本占位符 4">
             <a:extLst>
               <a:ext uri="{FF2B5EF4-FFF2-40B4-BE49-F238E27FC236}">
-                <a16:creationId xmlns:a16="http://schemas.microsoft.com/office/drawing/2014/main" id="{8B2E22A7-C980-C29E-052D-1DAF3BC6D4D3}"/>
+                <a16:creationId xmlns:a16="http://schemas.microsoft.com/office/drawing/2014/main" id="{1BF31E37-A9E3-FF0A-F303-BE6E01B3D897}"/>
               </a:ext>
             </a:extLst>
           </p:cNvPr>
@@ -1730,7 +1730,7 @@
           <p:cNvPr id="6" name="内容占位符 5">
             <a:extLst>
               <a:ext uri="{FF2B5EF4-FFF2-40B4-BE49-F238E27FC236}">
-                <a16:creationId xmlns:a16="http://schemas.microsoft.com/office/drawing/2014/main" id="{3EA524BD-33AC-D2FF-626E-FB14719792E7}"/>
+                <a16:creationId xmlns:a16="http://schemas.microsoft.com/office/drawing/2014/main" id="{24F0427E-0642-EB13-3740-3B0D525F969A}"/>
               </a:ext>
             </a:extLst>
           </p:cNvPr>
@@ -1792,7 +1792,7 @@
           <p:cNvPr id="7" name="日期占位符 6">
             <a:extLst>
               <a:ext uri="{FF2B5EF4-FFF2-40B4-BE49-F238E27FC236}">
-                <a16:creationId xmlns:a16="http://schemas.microsoft.com/office/drawing/2014/main" id="{1B500788-EBF0-26EE-85D6-6EA484E94B0B}"/>
+                <a16:creationId xmlns:a16="http://schemas.microsoft.com/office/drawing/2014/main" id="{940B650F-5FD5-0893-D544-A7EF2BD77441}"/>
               </a:ext>
             </a:extLst>
           </p:cNvPr>
@@ -1808,7 +1808,7 @@
           <a:bodyPr/>
           <a:lstStyle/>
           <a:p>
-            <a:fld id="{DC4BC7F8-1DAB-49B9-A240-90EAB50DD1CF}" type="datetimeFigureOut">
+            <a:fld id="{D7D02B63-AED3-4E6E-956C-F3F6766858DF}" type="datetimeFigureOut">
               <a:rPr lang="zh-CN" altLang="en-US" smtClean="0"/>
               <a:t>2024/3/10</a:t>
             </a:fld>
@@ -1821,7 +1821,7 @@
           <p:cNvPr id="8" name="页脚占位符 7">
             <a:extLst>
               <a:ext uri="{FF2B5EF4-FFF2-40B4-BE49-F238E27FC236}">
-                <a16:creationId xmlns:a16="http://schemas.microsoft.com/office/drawing/2014/main" id="{D0C1A6E9-A5C4-F088-85DF-7457B378FF36}"/>
+                <a16:creationId xmlns:a16="http://schemas.microsoft.com/office/drawing/2014/main" id="{20B1DB61-832C-BC52-F290-81F6B6322D8E}"/>
               </a:ext>
             </a:extLst>
           </p:cNvPr>
@@ -1846,7 +1846,7 @@
           <p:cNvPr id="9" name="灯片编号占位符 8">
             <a:extLst>
               <a:ext uri="{FF2B5EF4-FFF2-40B4-BE49-F238E27FC236}">
-                <a16:creationId xmlns:a16="http://schemas.microsoft.com/office/drawing/2014/main" id="{1A130ED8-AA9D-F13E-D2B9-6A97262C0531}"/>
+                <a16:creationId xmlns:a16="http://schemas.microsoft.com/office/drawing/2014/main" id="{C4BFC800-F7B1-A789-615A-FFEFA80B489A}"/>
               </a:ext>
             </a:extLst>
           </p:cNvPr>
@@ -1862,7 +1862,7 @@
           <a:bodyPr/>
           <a:lstStyle/>
           <a:p>
-            <a:fld id="{6F565FDC-00F3-4B9A-895A-9EE610D7D331}" type="slidenum">
+            <a:fld id="{A2CD14A0-9BD5-4E57-8089-6E6E7AFB938F}" type="slidenum">
               <a:rPr lang="zh-CN" altLang="en-US" smtClean="0"/>
               <a:t>‹#›</a:t>
             </a:fld>
@@ -1873,7 +1873,7 @@
     </p:spTree>
     <p:extLst>
       <p:ext uri="{BB962C8B-B14F-4D97-AF65-F5344CB8AC3E}">
-        <p14:creationId xmlns:p14="http://schemas.microsoft.com/office/powerpoint/2010/main" val="3873449027"/>
+        <p14:creationId xmlns:p14="http://schemas.microsoft.com/office/powerpoint/2010/main" val="1006379805"/>
       </p:ext>
     </p:extLst>
   </p:cSld>
@@ -1905,7 +1905,7 @@
           <p:cNvPr id="2" name="标题 1">
             <a:extLst>
               <a:ext uri="{FF2B5EF4-FFF2-40B4-BE49-F238E27FC236}">
-                <a16:creationId xmlns:a16="http://schemas.microsoft.com/office/drawing/2014/main" id="{4568BBC4-46B1-688C-C967-4D8582AD7F60}"/>
+                <a16:creationId xmlns:a16="http://schemas.microsoft.com/office/drawing/2014/main" id="{0F6A1F59-C842-FC5E-3739-682911BC5BDB}"/>
               </a:ext>
             </a:extLst>
           </p:cNvPr>
@@ -1933,7 +1933,7 @@
           <p:cNvPr id="3" name="日期占位符 2">
             <a:extLst>
               <a:ext uri="{FF2B5EF4-FFF2-40B4-BE49-F238E27FC236}">
-                <a16:creationId xmlns:a16="http://schemas.microsoft.com/office/drawing/2014/main" id="{47E937AD-4D12-F661-1746-C912A68AB82D}"/>
+                <a16:creationId xmlns:a16="http://schemas.microsoft.com/office/drawing/2014/main" id="{45271FE1-03EE-348D-2D4B-4F9197E25FBA}"/>
               </a:ext>
             </a:extLst>
           </p:cNvPr>
@@ -1949,7 +1949,7 @@
           <a:bodyPr/>
           <a:lstStyle/>
           <a:p>
-            <a:fld id="{DC4BC7F8-1DAB-49B9-A240-90EAB50DD1CF}" type="datetimeFigureOut">
+            <a:fld id="{D7D02B63-AED3-4E6E-956C-F3F6766858DF}" type="datetimeFigureOut">
               <a:rPr lang="zh-CN" altLang="en-US" smtClean="0"/>
               <a:t>2024/3/10</a:t>
             </a:fld>
@@ -1962,7 +1962,7 @@
           <p:cNvPr id="4" name="页脚占位符 3">
             <a:extLst>
               <a:ext uri="{FF2B5EF4-FFF2-40B4-BE49-F238E27FC236}">
-                <a16:creationId xmlns:a16="http://schemas.microsoft.com/office/drawing/2014/main" id="{D0FF1FA2-2493-6B66-06BB-296008DBAC6A}"/>
+                <a16:creationId xmlns:a16="http://schemas.microsoft.com/office/drawing/2014/main" id="{0C09065B-8591-E581-00E2-AC6494EBCB6C}"/>
               </a:ext>
             </a:extLst>
           </p:cNvPr>
@@ -1987,7 +1987,7 @@
           <p:cNvPr id="5" name="灯片编号占位符 4">
             <a:extLst>
               <a:ext uri="{FF2B5EF4-FFF2-40B4-BE49-F238E27FC236}">
-                <a16:creationId xmlns:a16="http://schemas.microsoft.com/office/drawing/2014/main" id="{DD83EE7E-6483-DBC1-94D0-9BB972F643A2}"/>
+                <a16:creationId xmlns:a16="http://schemas.microsoft.com/office/drawing/2014/main" id="{C2456C9B-454A-6EF7-982D-8882639D0D2B}"/>
               </a:ext>
             </a:extLst>
           </p:cNvPr>
@@ -2003,7 +2003,7 @@
           <a:bodyPr/>
           <a:lstStyle/>
           <a:p>
-            <a:fld id="{6F565FDC-00F3-4B9A-895A-9EE610D7D331}" type="slidenum">
+            <a:fld id="{A2CD14A0-9BD5-4E57-8089-6E6E7AFB938F}" type="slidenum">
               <a:rPr lang="zh-CN" altLang="en-US" smtClean="0"/>
               <a:t>‹#›</a:t>
             </a:fld>
@@ -2014,7 +2014,7 @@
     </p:spTree>
     <p:extLst>
       <p:ext uri="{BB962C8B-B14F-4D97-AF65-F5344CB8AC3E}">
-        <p14:creationId xmlns:p14="http://schemas.microsoft.com/office/powerpoint/2010/main" val="1813610932"/>
+        <p14:creationId xmlns:p14="http://schemas.microsoft.com/office/powerpoint/2010/main" val="2902141226"/>
       </p:ext>
     </p:extLst>
   </p:cSld>
@@ -2046,7 +2046,7 @@
           <p:cNvPr id="2" name="日期占位符 1">
             <a:extLst>
               <a:ext uri="{FF2B5EF4-FFF2-40B4-BE49-F238E27FC236}">
-                <a16:creationId xmlns:a16="http://schemas.microsoft.com/office/drawing/2014/main" id="{52BEBBCD-E786-9CFA-FC1A-7D85619530EF}"/>
+                <a16:creationId xmlns:a16="http://schemas.microsoft.com/office/drawing/2014/main" id="{FFF15FAC-D2E6-EFC1-5081-CBC43282099E}"/>
               </a:ext>
             </a:extLst>
           </p:cNvPr>
@@ -2062,7 +2062,7 @@
           <a:bodyPr/>
           <a:lstStyle/>
           <a:p>
-            <a:fld id="{DC4BC7F8-1DAB-49B9-A240-90EAB50DD1CF}" type="datetimeFigureOut">
+            <a:fld id="{D7D02B63-AED3-4E6E-956C-F3F6766858DF}" type="datetimeFigureOut">
               <a:rPr lang="zh-CN" altLang="en-US" smtClean="0"/>
               <a:t>2024/3/10</a:t>
             </a:fld>
@@ -2075,7 +2075,7 @@
           <p:cNvPr id="3" name="页脚占位符 2">
             <a:extLst>
               <a:ext uri="{FF2B5EF4-FFF2-40B4-BE49-F238E27FC236}">
-                <a16:creationId xmlns:a16="http://schemas.microsoft.com/office/drawing/2014/main" id="{A0C36D9B-2F81-3E26-0CC4-AFD971151A79}"/>
+                <a16:creationId xmlns:a16="http://schemas.microsoft.com/office/drawing/2014/main" id="{E7829332-3D23-A575-40A4-DB95D25E4287}"/>
               </a:ext>
             </a:extLst>
           </p:cNvPr>
@@ -2100,7 +2100,7 @@
           <p:cNvPr id="4" name="灯片编号占位符 3">
             <a:extLst>
               <a:ext uri="{FF2B5EF4-FFF2-40B4-BE49-F238E27FC236}">
-                <a16:creationId xmlns:a16="http://schemas.microsoft.com/office/drawing/2014/main" id="{01BA0596-1ED4-E685-6F3B-D7BBE8B7933B}"/>
+                <a16:creationId xmlns:a16="http://schemas.microsoft.com/office/drawing/2014/main" id="{CF2717B2-E7B4-8BC4-F71B-996F8C93547A}"/>
               </a:ext>
             </a:extLst>
           </p:cNvPr>
@@ -2116,7 +2116,7 @@
           <a:bodyPr/>
           <a:lstStyle/>
           <a:p>
-            <a:fld id="{6F565FDC-00F3-4B9A-895A-9EE610D7D331}" type="slidenum">
+            <a:fld id="{A2CD14A0-9BD5-4E57-8089-6E6E7AFB938F}" type="slidenum">
               <a:rPr lang="zh-CN" altLang="en-US" smtClean="0"/>
               <a:t>‹#›</a:t>
             </a:fld>
@@ -2127,7 +2127,7 @@
     </p:spTree>
     <p:extLst>
       <p:ext uri="{BB962C8B-B14F-4D97-AF65-F5344CB8AC3E}">
-        <p14:creationId xmlns:p14="http://schemas.microsoft.com/office/powerpoint/2010/main" val="195539549"/>
+        <p14:creationId xmlns:p14="http://schemas.microsoft.com/office/powerpoint/2010/main" val="3241511759"/>
       </p:ext>
     </p:extLst>
   </p:cSld>
@@ -2159,7 +2159,7 @@
           <p:cNvPr id="2" name="标题 1">
             <a:extLst>
               <a:ext uri="{FF2B5EF4-FFF2-40B4-BE49-F238E27FC236}">
-                <a16:creationId xmlns:a16="http://schemas.microsoft.com/office/drawing/2014/main" id="{6D12601D-21A8-05DD-5462-325B92949725}"/>
+                <a16:creationId xmlns:a16="http://schemas.microsoft.com/office/drawing/2014/main" id="{B2108F7C-74A4-FEC9-A57D-72BA8ADFADEF}"/>
               </a:ext>
             </a:extLst>
           </p:cNvPr>
@@ -2196,7 +2196,7 @@
           <p:cNvPr id="3" name="内容占位符 2">
             <a:extLst>
               <a:ext uri="{FF2B5EF4-FFF2-40B4-BE49-F238E27FC236}">
-                <a16:creationId xmlns:a16="http://schemas.microsoft.com/office/drawing/2014/main" id="{CA35493F-2C77-1726-215A-6397400C1259}"/>
+                <a16:creationId xmlns:a16="http://schemas.microsoft.com/office/drawing/2014/main" id="{9C666FD5-248B-9970-0D76-F931E45EE4FC}"/>
               </a:ext>
             </a:extLst>
           </p:cNvPr>
@@ -2286,7 +2286,7 @@
           <p:cNvPr id="4" name="文本占位符 3">
             <a:extLst>
               <a:ext uri="{FF2B5EF4-FFF2-40B4-BE49-F238E27FC236}">
-                <a16:creationId xmlns:a16="http://schemas.microsoft.com/office/drawing/2014/main" id="{5EC18F52-C50F-425F-ED4D-22BA992F1B88}"/>
+                <a16:creationId xmlns:a16="http://schemas.microsoft.com/office/drawing/2014/main" id="{A117569E-33C8-3E92-0AE8-50AE0905EF24}"/>
               </a:ext>
             </a:extLst>
           </p:cNvPr>
@@ -2357,7 +2357,7 @@
           <p:cNvPr id="5" name="日期占位符 4">
             <a:extLst>
               <a:ext uri="{FF2B5EF4-FFF2-40B4-BE49-F238E27FC236}">
-                <a16:creationId xmlns:a16="http://schemas.microsoft.com/office/drawing/2014/main" id="{B972A5D1-CAB7-A8FB-48A2-CC3D9ABA5B59}"/>
+                <a16:creationId xmlns:a16="http://schemas.microsoft.com/office/drawing/2014/main" id="{D1F12AD2-FB46-9AC2-3D9B-490E7ED7DAE0}"/>
               </a:ext>
             </a:extLst>
           </p:cNvPr>
@@ -2373,7 +2373,7 @@
           <a:bodyPr/>
           <a:lstStyle/>
           <a:p>
-            <a:fld id="{DC4BC7F8-1DAB-49B9-A240-90EAB50DD1CF}" type="datetimeFigureOut">
+            <a:fld id="{D7D02B63-AED3-4E6E-956C-F3F6766858DF}" type="datetimeFigureOut">
               <a:rPr lang="zh-CN" altLang="en-US" smtClean="0"/>
               <a:t>2024/3/10</a:t>
             </a:fld>
@@ -2386,7 +2386,7 @@
           <p:cNvPr id="6" name="页脚占位符 5">
             <a:extLst>
               <a:ext uri="{FF2B5EF4-FFF2-40B4-BE49-F238E27FC236}">
-                <a16:creationId xmlns:a16="http://schemas.microsoft.com/office/drawing/2014/main" id="{C3A9B642-18EA-DAB6-0416-138CF1471005}"/>
+                <a16:creationId xmlns:a16="http://schemas.microsoft.com/office/drawing/2014/main" id="{6B4C8774-B282-E57D-CD23-0FE060B641FD}"/>
               </a:ext>
             </a:extLst>
           </p:cNvPr>
@@ -2411,7 +2411,7 @@
           <p:cNvPr id="7" name="灯片编号占位符 6">
             <a:extLst>
               <a:ext uri="{FF2B5EF4-FFF2-40B4-BE49-F238E27FC236}">
-                <a16:creationId xmlns:a16="http://schemas.microsoft.com/office/drawing/2014/main" id="{7477E628-2DAE-5264-B1CB-851E24D42D4A}"/>
+                <a16:creationId xmlns:a16="http://schemas.microsoft.com/office/drawing/2014/main" id="{962C4241-BCD7-BCB5-590A-6A439BA32DE6}"/>
               </a:ext>
             </a:extLst>
           </p:cNvPr>
@@ -2427,7 +2427,7 @@
           <a:bodyPr/>
           <a:lstStyle/>
           <a:p>
-            <a:fld id="{6F565FDC-00F3-4B9A-895A-9EE610D7D331}" type="slidenum">
+            <a:fld id="{A2CD14A0-9BD5-4E57-8089-6E6E7AFB938F}" type="slidenum">
               <a:rPr lang="zh-CN" altLang="en-US" smtClean="0"/>
               <a:t>‹#›</a:t>
             </a:fld>
@@ -2438,7 +2438,7 @@
     </p:spTree>
     <p:extLst>
       <p:ext uri="{BB962C8B-B14F-4D97-AF65-F5344CB8AC3E}">
-        <p14:creationId xmlns:p14="http://schemas.microsoft.com/office/powerpoint/2010/main" val="3288863441"/>
+        <p14:creationId xmlns:p14="http://schemas.microsoft.com/office/powerpoint/2010/main" val="3175350135"/>
       </p:ext>
     </p:extLst>
   </p:cSld>
@@ -2470,7 +2470,7 @@
           <p:cNvPr id="2" name="标题 1">
             <a:extLst>
               <a:ext uri="{FF2B5EF4-FFF2-40B4-BE49-F238E27FC236}">
-                <a16:creationId xmlns:a16="http://schemas.microsoft.com/office/drawing/2014/main" id="{F3784158-B72B-1A8C-8C68-A451EFCF2914}"/>
+                <a16:creationId xmlns:a16="http://schemas.microsoft.com/office/drawing/2014/main" id="{E6824EC2-E9F1-0900-BB56-DC771FFBAD6E}"/>
               </a:ext>
             </a:extLst>
           </p:cNvPr>
@@ -2507,7 +2507,7 @@
           <p:cNvPr id="3" name="图片占位符 2">
             <a:extLst>
               <a:ext uri="{FF2B5EF4-FFF2-40B4-BE49-F238E27FC236}">
-                <a16:creationId xmlns:a16="http://schemas.microsoft.com/office/drawing/2014/main" id="{D769E726-0C65-7564-BD7C-ECCD8CC79D92}"/>
+                <a16:creationId xmlns:a16="http://schemas.microsoft.com/office/drawing/2014/main" id="{51826411-6644-E4D1-DDEF-51A2C53804D7}"/>
               </a:ext>
             </a:extLst>
           </p:cNvPr>
@@ -2574,7 +2574,7 @@
           <p:cNvPr id="4" name="文本占位符 3">
             <a:extLst>
               <a:ext uri="{FF2B5EF4-FFF2-40B4-BE49-F238E27FC236}">
-                <a16:creationId xmlns:a16="http://schemas.microsoft.com/office/drawing/2014/main" id="{54E9BDA3-41BF-73D1-8E05-B583C63FC51E}"/>
+                <a16:creationId xmlns:a16="http://schemas.microsoft.com/office/drawing/2014/main" id="{A11C06C6-9B62-23F2-D5B0-5463AAE05A13}"/>
               </a:ext>
             </a:extLst>
           </p:cNvPr>
@@ -2645,7 +2645,7 @@
           <p:cNvPr id="5" name="日期占位符 4">
             <a:extLst>
               <a:ext uri="{FF2B5EF4-FFF2-40B4-BE49-F238E27FC236}">
-                <a16:creationId xmlns:a16="http://schemas.microsoft.com/office/drawing/2014/main" id="{B4AD4B4F-A1A1-9D79-AE16-DF0C3BF8A830}"/>
+                <a16:creationId xmlns:a16="http://schemas.microsoft.com/office/drawing/2014/main" id="{E0EC21DC-19FF-E2E5-C723-77211D393B6D}"/>
               </a:ext>
             </a:extLst>
           </p:cNvPr>
@@ -2661,7 +2661,7 @@
           <a:bodyPr/>
           <a:lstStyle/>
           <a:p>
-            <a:fld id="{DC4BC7F8-1DAB-49B9-A240-90EAB50DD1CF}" type="datetimeFigureOut">
+            <a:fld id="{D7D02B63-AED3-4E6E-956C-F3F6766858DF}" type="datetimeFigureOut">
               <a:rPr lang="zh-CN" altLang="en-US" smtClean="0"/>
               <a:t>2024/3/10</a:t>
             </a:fld>
@@ -2674,7 +2674,7 @@
           <p:cNvPr id="6" name="页脚占位符 5">
             <a:extLst>
               <a:ext uri="{FF2B5EF4-FFF2-40B4-BE49-F238E27FC236}">
-                <a16:creationId xmlns:a16="http://schemas.microsoft.com/office/drawing/2014/main" id="{13B793CB-9285-E6B9-A1D5-2DD1E9244171}"/>
+                <a16:creationId xmlns:a16="http://schemas.microsoft.com/office/drawing/2014/main" id="{C29FC6AA-3F61-EB23-4028-B7CB8B4F0B14}"/>
               </a:ext>
             </a:extLst>
           </p:cNvPr>
@@ -2699,7 +2699,7 @@
           <p:cNvPr id="7" name="灯片编号占位符 6">
             <a:extLst>
               <a:ext uri="{FF2B5EF4-FFF2-40B4-BE49-F238E27FC236}">
-                <a16:creationId xmlns:a16="http://schemas.microsoft.com/office/drawing/2014/main" id="{BB015010-ACCA-ADBE-4D8D-9B0FF05EBB46}"/>
+                <a16:creationId xmlns:a16="http://schemas.microsoft.com/office/drawing/2014/main" id="{D1042810-6FB0-1B40-5AC7-D82D7F1BF804}"/>
               </a:ext>
             </a:extLst>
           </p:cNvPr>
@@ -2715,7 +2715,7 @@
           <a:bodyPr/>
           <a:lstStyle/>
           <a:p>
-            <a:fld id="{6F565FDC-00F3-4B9A-895A-9EE610D7D331}" type="slidenum">
+            <a:fld id="{A2CD14A0-9BD5-4E57-8089-6E6E7AFB938F}" type="slidenum">
               <a:rPr lang="zh-CN" altLang="en-US" smtClean="0"/>
               <a:t>‹#›</a:t>
             </a:fld>
@@ -2726,7 +2726,7 @@
     </p:spTree>
     <p:extLst>
       <p:ext uri="{BB962C8B-B14F-4D97-AF65-F5344CB8AC3E}">
-        <p14:creationId xmlns:p14="http://schemas.microsoft.com/office/powerpoint/2010/main" val="541960255"/>
+        <p14:creationId xmlns:p14="http://schemas.microsoft.com/office/powerpoint/2010/main" val="354582618"/>
       </p:ext>
     </p:extLst>
   </p:cSld>
@@ -2763,7 +2763,7 @@
           <p:cNvPr id="2" name="标题占位符 1">
             <a:extLst>
               <a:ext uri="{FF2B5EF4-FFF2-40B4-BE49-F238E27FC236}">
-                <a16:creationId xmlns:a16="http://schemas.microsoft.com/office/drawing/2014/main" id="{F53B587D-0512-CC12-8895-959F1CB63DFB}"/>
+                <a16:creationId xmlns:a16="http://schemas.microsoft.com/office/drawing/2014/main" id="{8DB26703-ACB6-4E71-EB74-84FFEEFD787B}"/>
               </a:ext>
             </a:extLst>
           </p:cNvPr>
@@ -2801,7 +2801,7 @@
           <p:cNvPr id="3" name="文本占位符 2">
             <a:extLst>
               <a:ext uri="{FF2B5EF4-FFF2-40B4-BE49-F238E27FC236}">
-                <a16:creationId xmlns:a16="http://schemas.microsoft.com/office/drawing/2014/main" id="{644129E5-271D-D5FC-2BF6-D6A6F12F80B3}"/>
+                <a16:creationId xmlns:a16="http://schemas.microsoft.com/office/drawing/2014/main" id="{D693BBE6-1ACB-0E52-2915-EFA140C18250}"/>
               </a:ext>
             </a:extLst>
           </p:cNvPr>
@@ -2868,7 +2868,7 @@
           <p:cNvPr id="4" name="日期占位符 3">
             <a:extLst>
               <a:ext uri="{FF2B5EF4-FFF2-40B4-BE49-F238E27FC236}">
-                <a16:creationId xmlns:a16="http://schemas.microsoft.com/office/drawing/2014/main" id="{0901EC0A-AE2E-A144-C1BC-2AE2D9526D54}"/>
+                <a16:creationId xmlns:a16="http://schemas.microsoft.com/office/drawing/2014/main" id="{56433A40-8C88-6F93-7089-D7112FAE192B}"/>
               </a:ext>
             </a:extLst>
           </p:cNvPr>
@@ -2902,7 +2902,7 @@
             </a:lvl1pPr>
           </a:lstStyle>
           <a:p>
-            <a:fld id="{DC4BC7F8-1DAB-49B9-A240-90EAB50DD1CF}" type="datetimeFigureOut">
+            <a:fld id="{D7D02B63-AED3-4E6E-956C-F3F6766858DF}" type="datetimeFigureOut">
               <a:rPr lang="zh-CN" altLang="en-US" smtClean="0"/>
               <a:t>2024/3/10</a:t>
             </a:fld>
@@ -2915,7 +2915,7 @@
           <p:cNvPr id="5" name="页脚占位符 4">
             <a:extLst>
               <a:ext uri="{FF2B5EF4-FFF2-40B4-BE49-F238E27FC236}">
-                <a16:creationId xmlns:a16="http://schemas.microsoft.com/office/drawing/2014/main" id="{C6337F1B-1106-B975-108C-14B98594D913}"/>
+                <a16:creationId xmlns:a16="http://schemas.microsoft.com/office/drawing/2014/main" id="{681304AF-65F3-1C70-4480-5EF3EFBCFFCA}"/>
               </a:ext>
             </a:extLst>
           </p:cNvPr>
@@ -2958,7 +2958,7 @@
           <p:cNvPr id="6" name="灯片编号占位符 5">
             <a:extLst>
               <a:ext uri="{FF2B5EF4-FFF2-40B4-BE49-F238E27FC236}">
-                <a16:creationId xmlns:a16="http://schemas.microsoft.com/office/drawing/2014/main" id="{8A3510E1-0F27-E857-6BE7-F5D482A1BC6F}"/>
+                <a16:creationId xmlns:a16="http://schemas.microsoft.com/office/drawing/2014/main" id="{39FB0128-E5C4-8C96-0917-81A19011BF4B}"/>
               </a:ext>
             </a:extLst>
           </p:cNvPr>
@@ -2992,7 +2992,7 @@
             </a:lvl1pPr>
           </a:lstStyle>
           <a:p>
-            <a:fld id="{6F565FDC-00F3-4B9A-895A-9EE610D7D331}" type="slidenum">
+            <a:fld id="{A2CD14A0-9BD5-4E57-8089-6E6E7AFB938F}" type="slidenum">
               <a:rPr lang="zh-CN" altLang="en-US" smtClean="0"/>
               <a:t>‹#›</a:t>
             </a:fld>
@@ -3003,7 +3003,7 @@
     </p:spTree>
     <p:extLst>
       <p:ext uri="{BB962C8B-B14F-4D97-AF65-F5344CB8AC3E}">
-        <p14:creationId xmlns:p14="http://schemas.microsoft.com/office/powerpoint/2010/main" val="472805782"/>
+        <p14:creationId xmlns:p14="http://schemas.microsoft.com/office/powerpoint/2010/main" val="2727303635"/>
       </p:ext>
     </p:extLst>
   </p:cSld>
@@ -3323,7 +3323,7 @@
       </p:grpSpPr>
       <p:pic>
         <p:nvPicPr>
-          <p:cNvPr id="690178" name="Picture 2" descr="673"/>
+          <p:cNvPr id="691202" name="Picture 2" descr="674"/>
           <p:cNvPicPr>
             <a:picLocks noChangeAspect="1" noChangeArrowheads="1"/>
           </p:cNvPicPr>
@@ -3345,7 +3345,7 @@
         <p:spPr bwMode="auto">
           <a:xfrm>
             <a:off x="1524000" y="0"/>
-            <a:ext cx="9144000" cy="5949950"/>
+            <a:ext cx="9144000" cy="6858000"/>
           </a:xfrm>
           <a:prstGeom prst="rect">
             <a:avLst/>
